--- a/160777-doctor-template-16x9.pptx
+++ b/160777-doctor-template-16x9.pptx
@@ -114,7 +114,7 @@
   </p:defaultTextStyle>
   <p:extLst>
     <p:ext uri="{EFAFB233-063F-42B5-8137-9DF3F51BA10A}">
-      <p15:sldGuideLst xmlns="" xmlns:p15="http://schemas.microsoft.com/office/powerpoint/2012/main">
+      <p15:sldGuideLst xmlns:p15="http://schemas.microsoft.com/office/powerpoint/2012/main" xmlns="">
         <p15:guide id="1" orient="horz" pos="1620">
           <p15:clr>
             <a:srgbClr val="A4A3A4"/>
@@ -1464,7 +1464,7 @@
           <p:cNvPr id="7" name="Picture 6" descr="E:\websites\free-power-point-templates\2012\logos.png">
             <a:extLst>
               <a:ext uri="{FF2B5EF4-FFF2-40B4-BE49-F238E27FC236}">
-                <a16:creationId xmlns="" xmlns:a16="http://schemas.microsoft.com/office/drawing/2014/main" id="{08B89D22-1D6E-450B-881F-4D2A4C527F72}"/>
+                <a16:creationId xmlns:a16="http://schemas.microsoft.com/office/drawing/2014/main" xmlns="" id="{08B89D22-1D6E-450B-881F-4D2A4C527F72}"/>
               </a:ext>
             </a:extLst>
           </p:cNvPr>
@@ -3771,7 +3771,7 @@
           <p:cNvPr id="7" name="TextBox 6">
             <a:extLst>
               <a:ext uri="{FF2B5EF4-FFF2-40B4-BE49-F238E27FC236}">
-                <a16:creationId xmlns="" xmlns:a16="http://schemas.microsoft.com/office/drawing/2014/main" id="{11E867DF-3DCA-4725-94F0-F2B6BD747A82}"/>
+                <a16:creationId xmlns:a16="http://schemas.microsoft.com/office/drawing/2014/main" xmlns="" id="{11E867DF-3DCA-4725-94F0-F2B6BD747A82}"/>
               </a:ext>
             </a:extLst>
           </p:cNvPr>
@@ -4184,6 +4184,13 @@
   <p:clrMapOvr>
     <a:masterClrMapping/>
   </p:clrMapOvr>
+  <p:timing>
+    <p:tnLst>
+      <p:par>
+        <p:cTn id="1" dur="indefinite" restart="never" nodeType="tmRoot"/>
+      </p:par>
+    </p:tnLst>
+  </p:timing>
 </p:sld>
 </file>
 
@@ -4246,21 +4253,33 @@
           <a:p>
             <a:r>
               <a:rPr lang="en-US" dirty="0" smtClean="0"/>
-              <a:t>Find nearby Hospitals</a:t>
+              <a:t>Find nearby </a:t>
+            </a:r>
+            <a:r>
+              <a:rPr lang="en-US" dirty="0" smtClean="0"/>
+              <a:t>Hospitals.</a:t>
             </a:r>
             <a:endParaRPr lang="en-US" dirty="0"/>
           </a:p>
           <a:p>
             <a:r>
               <a:rPr lang="en-US" dirty="0" smtClean="0"/>
-              <a:t>Know about doctors in their specialized fields</a:t>
+              <a:t>Know about doctors in their specialized </a:t>
+            </a:r>
+            <a:r>
+              <a:rPr lang="en-US" dirty="0" smtClean="0"/>
+              <a:t>fields.</a:t>
             </a:r>
             <a:endParaRPr lang="en-US" dirty="0"/>
           </a:p>
           <a:p>
             <a:r>
               <a:rPr lang="en-US" dirty="0" smtClean="0"/>
-              <a:t>Booking tickets and taking appointments</a:t>
+              <a:t>Booking tickets and taking </a:t>
+            </a:r>
+            <a:r>
+              <a:rPr lang="en-US" dirty="0" smtClean="0"/>
+              <a:t>appointments.</a:t>
             </a:r>
             <a:endParaRPr lang="en-US" dirty="0"/>
           </a:p>
@@ -4286,6 +4305,13 @@
   <p:clrMapOvr>
     <a:masterClrMapping/>
   </p:clrMapOvr>
+  <p:timing>
+    <p:tnLst>
+      <p:par>
+        <p:cTn id="1" dur="indefinite" restart="never" nodeType="tmRoot"/>
+      </p:par>
+    </p:tnLst>
+  </p:timing>
 </p:sld>
 </file>
 
@@ -4366,6 +4392,13 @@
   <p:clrMapOvr>
     <a:masterClrMapping/>
   </p:clrMapOvr>
+  <p:timing>
+    <p:tnLst>
+      <p:par>
+        <p:cTn id="1" dur="indefinite" restart="never" nodeType="tmRoot"/>
+      </p:par>
+    </p:tnLst>
+  </p:timing>
 </p:sld>
 </file>
 
@@ -4457,12 +4490,6 @@
           </a:p>
           <a:p>
             <a:endParaRPr lang="en-US" dirty="0"/>
-          </a:p>
-          <a:p>
-            <a:r>
-              <a:rPr lang="en-US" dirty="0"/>
-              <a:t>Feature 3</a:t>
-            </a:r>
           </a:p>
         </p:txBody>
       </p:sp>
@@ -5279,7 +5306,7 @@
   <a:extraClrSchemeLst/>
   <a:extLst>
     <a:ext uri="{05A4C25C-085E-4340-85A3-A5531E510DB2}">
-      <thm15:themeFamily xmlns="" xmlns:thm15="http://schemas.microsoft.com/office/thememl/2012/main" name="Office Theme" id="{62F939B6-93AF-4DB8-9C6B-D6C7DFDC589F}" vid="{4A3C46E8-61CC-4603-A589-7422A47A8E4A}"/>
+      <thm15:themeFamily xmlns:thm15="http://schemas.microsoft.com/office/thememl/2012/main" xmlns="" name="Office Theme" id="{62F939B6-93AF-4DB8-9C6B-D6C7DFDC589F}" vid="{4A3C46E8-61CC-4603-A589-7422A47A8E4A}"/>
     </a:ext>
   </a:extLst>
 </a:theme>
